--- a/Step 12 - Angular/Presentación14.pptx
+++ b/Step 12 - Angular/Presentación14.pptx
@@ -7,8 +7,7 @@
   <p:sldIdLst>
     <p:sldId id="256" r:id="rId2"/>
     <p:sldId id="266" r:id="rId3"/>
-    <p:sldId id="267" r:id="rId4"/>
-    <p:sldId id="265" r:id="rId5"/>
+    <p:sldId id="265" r:id="rId4"/>
   </p:sldIdLst>
   <p:sldSz cx="12192000" cy="6858000"/>
   <p:notesSz cx="6858000" cy="9144000"/>
@@ -262,7 +261,7 @@
           <a:p>
             <a:fld id="{92835CAA-DB26-41EB-9DA5-3B4C0531874A}" type="datetimeFigureOut">
               <a:rPr lang="es-ES" smtClean="0"/>
-              <a:t>06/10/2019</a:t>
+              <a:t>20/10/2019</a:t>
             </a:fld>
             <a:endParaRPr lang="es-ES"/>
           </a:p>
@@ -460,7 +459,7 @@
           <a:p>
             <a:fld id="{92835CAA-DB26-41EB-9DA5-3B4C0531874A}" type="datetimeFigureOut">
               <a:rPr lang="es-ES" smtClean="0"/>
-              <a:t>06/10/2019</a:t>
+              <a:t>20/10/2019</a:t>
             </a:fld>
             <a:endParaRPr lang="es-ES"/>
           </a:p>
@@ -668,7 +667,7 @@
           <a:p>
             <a:fld id="{92835CAA-DB26-41EB-9DA5-3B4C0531874A}" type="datetimeFigureOut">
               <a:rPr lang="es-ES" smtClean="0"/>
-              <a:t>06/10/2019</a:t>
+              <a:t>20/10/2019</a:t>
             </a:fld>
             <a:endParaRPr lang="es-ES"/>
           </a:p>
@@ -866,7 +865,7 @@
           <a:p>
             <a:fld id="{92835CAA-DB26-41EB-9DA5-3B4C0531874A}" type="datetimeFigureOut">
               <a:rPr lang="es-ES" smtClean="0"/>
-              <a:t>06/10/2019</a:t>
+              <a:t>20/10/2019</a:t>
             </a:fld>
             <a:endParaRPr lang="es-ES"/>
           </a:p>
@@ -1141,7 +1140,7 @@
           <a:p>
             <a:fld id="{92835CAA-DB26-41EB-9DA5-3B4C0531874A}" type="datetimeFigureOut">
               <a:rPr lang="es-ES" smtClean="0"/>
-              <a:t>06/10/2019</a:t>
+              <a:t>20/10/2019</a:t>
             </a:fld>
             <a:endParaRPr lang="es-ES"/>
           </a:p>
@@ -1406,7 +1405,7 @@
           <a:p>
             <a:fld id="{92835CAA-DB26-41EB-9DA5-3B4C0531874A}" type="datetimeFigureOut">
               <a:rPr lang="es-ES" smtClean="0"/>
-              <a:t>06/10/2019</a:t>
+              <a:t>20/10/2019</a:t>
             </a:fld>
             <a:endParaRPr lang="es-ES"/>
           </a:p>
@@ -1818,7 +1817,7 @@
           <a:p>
             <a:fld id="{92835CAA-DB26-41EB-9DA5-3B4C0531874A}" type="datetimeFigureOut">
               <a:rPr lang="es-ES" smtClean="0"/>
-              <a:t>06/10/2019</a:t>
+              <a:t>20/10/2019</a:t>
             </a:fld>
             <a:endParaRPr lang="es-ES"/>
           </a:p>
@@ -1959,7 +1958,7 @@
           <a:p>
             <a:fld id="{92835CAA-DB26-41EB-9DA5-3B4C0531874A}" type="datetimeFigureOut">
               <a:rPr lang="es-ES" smtClean="0"/>
-              <a:t>06/10/2019</a:t>
+              <a:t>20/10/2019</a:t>
             </a:fld>
             <a:endParaRPr lang="es-ES"/>
           </a:p>
@@ -2072,7 +2071,7 @@
           <a:p>
             <a:fld id="{92835CAA-DB26-41EB-9DA5-3B4C0531874A}" type="datetimeFigureOut">
               <a:rPr lang="es-ES" smtClean="0"/>
-              <a:t>06/10/2019</a:t>
+              <a:t>20/10/2019</a:t>
             </a:fld>
             <a:endParaRPr lang="es-ES"/>
           </a:p>
@@ -2383,7 +2382,7 @@
           <a:p>
             <a:fld id="{92835CAA-DB26-41EB-9DA5-3B4C0531874A}" type="datetimeFigureOut">
               <a:rPr lang="es-ES" smtClean="0"/>
-              <a:t>06/10/2019</a:t>
+              <a:t>20/10/2019</a:t>
             </a:fld>
             <a:endParaRPr lang="es-ES"/>
           </a:p>
@@ -2671,7 +2670,7 @@
           <a:p>
             <a:fld id="{92835CAA-DB26-41EB-9DA5-3B4C0531874A}" type="datetimeFigureOut">
               <a:rPr lang="es-ES" smtClean="0"/>
-              <a:t>06/10/2019</a:t>
+              <a:t>20/10/2019</a:t>
             </a:fld>
             <a:endParaRPr lang="es-ES"/>
           </a:p>
@@ -2912,7 +2911,7 @@
           <a:p>
             <a:fld id="{92835CAA-DB26-41EB-9DA5-3B4C0531874A}" type="datetimeFigureOut">
               <a:rPr lang="es-ES" smtClean="0"/>
-              <a:t>06/10/2019</a:t>
+              <a:t>20/10/2019</a:t>
             </a:fld>
             <a:endParaRPr lang="es-ES"/>
           </a:p>
@@ -3454,7 +3453,7 @@
           <a:p>
             <a:r>
               <a:rPr lang="es-CO" dirty="0"/>
-              <a:t>Angular</a:t>
+              <a:t>Tickets funcionando con Angular</a:t>
             </a:r>
             <a:endParaRPr lang="es-ES" dirty="0"/>
           </a:p>
@@ -3489,33 +3488,65 @@
           <a:lstStyle/>
           <a:p>
             <a:r>
+              <a:rPr lang="es-CO" dirty="0"/>
+              <a:t>N</a:t>
+            </a:r>
+            <a:r>
               <a:rPr lang="es-ES" dirty="0" err="1"/>
-              <a:t>Models</a:t>
-            </a:r>
-            <a:endParaRPr lang="es-ES" dirty="0"/>
-          </a:p>
-          <a:p>
+              <a:t>uestra</a:t>
+            </a:r>
+            <a:r>
+              <a:rPr lang="es-ES" dirty="0"/>
+              <a:t> aplicación funcionando</a:t>
+            </a:r>
+          </a:p>
+          <a:p>
+            <a:r>
+              <a:rPr lang="es-ES" dirty="0"/>
+              <a:t>Servicios</a:t>
+            </a:r>
+          </a:p>
+          <a:p>
+            <a:r>
+              <a:rPr lang="es-ES" dirty="0"/>
+              <a:t>Componentes (</a:t>
+            </a:r>
             <a:r>
               <a:rPr lang="es-ES" dirty="0" err="1"/>
-              <a:t>Services</a:t>
-            </a:r>
-            <a:endParaRPr lang="es-ES" dirty="0"/>
-          </a:p>
-          <a:p>
+              <a:t>ts</a:t>
+            </a:r>
+            <a:r>
+              <a:rPr lang="es-ES" dirty="0"/>
+              <a:t>, </a:t>
+            </a:r>
             <a:r>
               <a:rPr lang="es-ES" dirty="0" err="1"/>
-              <a:t>Router</a:t>
-            </a:r>
-            <a:endParaRPr lang="es-ES" dirty="0"/>
+              <a:t>html</a:t>
+            </a:r>
+            <a:r>
+              <a:rPr lang="es-ES" dirty="0"/>
+              <a:t>, </a:t>
+            </a:r>
+            <a:r>
+              <a:rPr lang="es-ES" dirty="0" err="1"/>
+              <a:t>css</a:t>
+            </a:r>
+            <a:r>
+              <a:rPr lang="es-ES" dirty="0"/>
+              <a:t>)</a:t>
+            </a:r>
+          </a:p>
+          <a:p>
+            <a:endParaRPr lang="es-ES" u="sng" dirty="0"/>
           </a:p>
         </p:txBody>
       </p:sp>
       <p:pic>
         <p:nvPicPr>
-          <p:cNvPr id="3" name="Imagen 2">
-            <a:extLst>
-              <a:ext uri="{FF2B5EF4-FFF2-40B4-BE49-F238E27FC236}">
-                <a16:creationId xmlns:a16="http://schemas.microsoft.com/office/drawing/2014/main" id="{E9AE68EA-5D80-4B14-8D53-2EDB4D92BF2D}"/>
+          <p:cNvPr id="6" name="Imagen 5">
+            <a:extLst>
+              <a:ext uri="{FF2B5EF4-FFF2-40B4-BE49-F238E27FC236}">
+                <a16:creationId xmlns:a16="http://schemas.microsoft.com/office/drawing/2014/main" id="{C30C1925-D66E-4729-A132-70FEFACF67A0}"/>
               </a:ext>
             </a:extLst>
           </p:cNvPr>
@@ -3532,68 +3563,8 @@
         </p:blipFill>
         <p:spPr>
           <a:xfrm>
-            <a:off x="4586034" y="689093"/>
-            <a:ext cx="1509966" cy="1547298"/>
-          </a:xfrm>
-          <a:prstGeom prst="rect">
-            <a:avLst/>
-          </a:prstGeom>
-        </p:spPr>
-      </p:pic>
-      <p:pic>
-        <p:nvPicPr>
-          <p:cNvPr id="11" name="Imagen 10">
-            <a:extLst>
-              <a:ext uri="{FF2B5EF4-FFF2-40B4-BE49-F238E27FC236}">
-                <a16:creationId xmlns:a16="http://schemas.microsoft.com/office/drawing/2014/main" id="{47E35F4D-3696-4B40-964F-4841CEF55AAD}"/>
-              </a:ext>
-            </a:extLst>
-          </p:cNvPr>
-          <p:cNvPicPr>
-            <a:picLocks noChangeAspect="1"/>
-          </p:cNvPicPr>
-          <p:nvPr/>
-        </p:nvPicPr>
-        <p:blipFill>
-          <a:blip r:embed="rId3"/>
-          <a:stretch>
-            <a:fillRect/>
-          </a:stretch>
-        </p:blipFill>
-        <p:spPr>
-          <a:xfrm>
-            <a:off x="6812693" y="1972779"/>
-            <a:ext cx="3861348" cy="2004257"/>
-          </a:xfrm>
-          <a:prstGeom prst="rect">
-            <a:avLst/>
-          </a:prstGeom>
-        </p:spPr>
-      </p:pic>
-      <p:pic>
-        <p:nvPicPr>
-          <p:cNvPr id="4" name="Imagen 3">
-            <a:extLst>
-              <a:ext uri="{FF2B5EF4-FFF2-40B4-BE49-F238E27FC236}">
-                <a16:creationId xmlns:a16="http://schemas.microsoft.com/office/drawing/2014/main" id="{6D1B1E10-0ACA-4BAC-AC05-118DFF734FAA}"/>
-              </a:ext>
-            </a:extLst>
-          </p:cNvPr>
-          <p:cNvPicPr>
-            <a:picLocks noChangeAspect="1"/>
-          </p:cNvPicPr>
-          <p:nvPr/>
-        </p:nvPicPr>
-        <p:blipFill>
-          <a:blip r:embed="rId4"/>
-          <a:stretch>
-            <a:fillRect/>
-          </a:stretch>
-        </p:blipFill>
-        <p:spPr>
-          <a:xfrm>
-            <a:off x="2601381" y="3452931"/>
-            <a:ext cx="3969305" cy="2168224"/>
+            <a:off x="7355102" y="3879314"/>
+            <a:ext cx="3998698" cy="2245016"/>
           </a:xfrm>
           <a:prstGeom prst="rect">
             <a:avLst/>
@@ -3635,169 +3606,6 @@
           <p:cNvPr id="2" name="Título 1">
             <a:extLst>
               <a:ext uri="{FF2B5EF4-FFF2-40B4-BE49-F238E27FC236}">
-                <a16:creationId xmlns:a16="http://schemas.microsoft.com/office/drawing/2014/main" id="{0742EEB6-7C63-44B8-BD99-23393D5E60D6}"/>
-              </a:ext>
-            </a:extLst>
-          </p:cNvPr>
-          <p:cNvSpPr>
-            <a:spLocks noGrp="1"/>
-          </p:cNvSpPr>
-          <p:nvPr>
-            <p:ph type="title"/>
-          </p:nvPr>
-        </p:nvSpPr>
-        <p:spPr/>
-        <p:txBody>
-          <a:bodyPr/>
-          <a:lstStyle/>
-          <a:p>
-            <a:r>
-              <a:rPr lang="es-CO" dirty="0"/>
-              <a:t>Angular</a:t>
-            </a:r>
-            <a:endParaRPr lang="es-ES" dirty="0"/>
-          </a:p>
-        </p:txBody>
-      </p:sp>
-      <p:sp>
-        <p:nvSpPr>
-          <p:cNvPr id="5" name="Marcador de contenido 4">
-            <a:extLst>
-              <a:ext uri="{FF2B5EF4-FFF2-40B4-BE49-F238E27FC236}">
-                <a16:creationId xmlns:a16="http://schemas.microsoft.com/office/drawing/2014/main" id="{6D2C54B1-CE14-4175-A592-BBE50AC5DFCB}"/>
-              </a:ext>
-            </a:extLst>
-          </p:cNvPr>
-          <p:cNvSpPr>
-            <a:spLocks noGrp="1"/>
-          </p:cNvSpPr>
-          <p:nvPr>
-            <p:ph idx="1"/>
-          </p:nvPr>
-        </p:nvSpPr>
-        <p:spPr>
-          <a:xfrm>
-            <a:off x="838200" y="1581665"/>
-            <a:ext cx="10515600" cy="4595298"/>
-          </a:xfrm>
-        </p:spPr>
-        <p:txBody>
-          <a:bodyPr>
-            <a:normAutofit/>
-          </a:bodyPr>
-          <a:lstStyle/>
-          <a:p>
-            <a:r>
-              <a:rPr lang="es-ES" dirty="0"/>
-              <a:t>Registrar los servicios</a:t>
-            </a:r>
-          </a:p>
-          <a:p>
-            <a:r>
-              <a:rPr lang="es-ES" dirty="0"/>
-              <a:t>Head &gt; </a:t>
-            </a:r>
-            <a:r>
-              <a:rPr lang="es-ES" dirty="0" err="1"/>
-              <a:t>content</a:t>
-            </a:r>
-            <a:r>
-              <a:rPr lang="es-ES" dirty="0"/>
-              <a:t> &gt; </a:t>
-            </a:r>
-            <a:r>
-              <a:rPr lang="es-ES" dirty="0" err="1"/>
-              <a:t>Footer</a:t>
-            </a:r>
-            <a:endParaRPr lang="es-ES" dirty="0"/>
-          </a:p>
-          <a:p>
-            <a:r>
-              <a:rPr lang="es-ES" dirty="0" err="1"/>
-              <a:t>Environment</a:t>
-            </a:r>
-            <a:r>
-              <a:rPr lang="es-ES" dirty="0"/>
-              <a:t> data</a:t>
-            </a:r>
-          </a:p>
-          <a:p>
-            <a:r>
-              <a:rPr lang="es-ES" dirty="0" err="1"/>
-              <a:t>Icon</a:t>
-            </a:r>
-            <a:r>
-              <a:rPr lang="es-ES" dirty="0"/>
-              <a:t> Material</a:t>
-            </a:r>
-          </a:p>
-        </p:txBody>
-      </p:sp>
-      <p:pic>
-        <p:nvPicPr>
-          <p:cNvPr id="6" name="Imagen 5">
-            <a:extLst>
-              <a:ext uri="{FF2B5EF4-FFF2-40B4-BE49-F238E27FC236}">
-                <a16:creationId xmlns:a16="http://schemas.microsoft.com/office/drawing/2014/main" id="{05ADFAC0-BFA2-4900-85CB-9A5DA02D7F3B}"/>
-              </a:ext>
-            </a:extLst>
-          </p:cNvPr>
-          <p:cNvPicPr>
-            <a:picLocks noChangeAspect="1"/>
-          </p:cNvPicPr>
-          <p:nvPr/>
-        </p:nvPicPr>
-        <p:blipFill>
-          <a:blip r:embed="rId2"/>
-          <a:stretch>
-            <a:fillRect/>
-          </a:stretch>
-        </p:blipFill>
-        <p:spPr>
-          <a:xfrm>
-            <a:off x="5214551" y="2797061"/>
-            <a:ext cx="6547305" cy="3396617"/>
-          </a:xfrm>
-          <a:prstGeom prst="rect">
-            <a:avLst/>
-          </a:prstGeom>
-        </p:spPr>
-      </p:pic>
-    </p:spTree>
-    <p:extLst>
-      <p:ext uri="{BB962C8B-B14F-4D97-AF65-F5344CB8AC3E}">
-        <p14:creationId xmlns:p14="http://schemas.microsoft.com/office/powerpoint/2010/main" val="3536646417"/>
-      </p:ext>
-    </p:extLst>
-  </p:cSld>
-  <p:clrMapOvr>
-    <a:masterClrMapping/>
-  </p:clrMapOvr>
-</p:sld>
-</file>
-
-<file path=ppt/slides/slide4.xml><?xml version="1.0" encoding="utf-8"?>
-<p:sld xmlns:a="http://schemas.openxmlformats.org/drawingml/2006/main" xmlns:r="http://schemas.openxmlformats.org/officeDocument/2006/relationships" xmlns:p="http://schemas.openxmlformats.org/presentationml/2006/main">
-  <p:cSld>
-    <p:spTree>
-      <p:nvGrpSpPr>
-        <p:cNvPr id="1" name=""/>
-        <p:cNvGrpSpPr/>
-        <p:nvPr/>
-      </p:nvGrpSpPr>
-      <p:grpSpPr>
-        <a:xfrm>
-          <a:off x="0" y="0"/>
-          <a:ext cx="0" cy="0"/>
-          <a:chOff x="0" y="0"/>
-          <a:chExt cx="0" cy="0"/>
-        </a:xfrm>
-      </p:grpSpPr>
-      <p:sp>
-        <p:nvSpPr>
-          <p:cNvPr id="2" name="Título 1">
-            <a:extLst>
-              <a:ext uri="{FF2B5EF4-FFF2-40B4-BE49-F238E27FC236}">
                 <a16:creationId xmlns:a16="http://schemas.microsoft.com/office/drawing/2014/main" id="{0EE432A7-7CEB-4E28-8AB8-7B8440F1DE2F}"/>
               </a:ext>
             </a:extLst>
@@ -3844,8 +3652,12 @@
           <a:lstStyle/>
           <a:p>
             <a:r>
+              <a:rPr lang="es-CO" dirty="0"/>
+              <a:t>View </a:t>
+            </a:r>
+            <a:r>
               <a:rPr lang="es-CO" dirty="0" err="1"/>
-              <a:t>Coding</a:t>
+              <a:t>code</a:t>
             </a:r>
             <a:endParaRPr lang="es-ES" dirty="0"/>
           </a:p>
